--- a/IoTpresentation.pptx
+++ b/IoTpresentation.pptx
@@ -110,6 +110,11 @@
       </a:defRPr>
     </a:lvl9pPr>
   </p:defaultTextStyle>
+  <p:extLst>
+    <p:ext uri="{EFAFB233-063F-42B5-8137-9DF3F51BA10A}">
+      <p15:sldGuideLst xmlns:p15="http://schemas.microsoft.com/office/powerpoint/2012/main"/>
+    </p:ext>
+  </p:extLst>
 </p:presentation>
 </file>
 
@@ -126,10 +131,25 @@
   <pc:docChgLst>
     <pc:chgData name="Lasse Lundholm" userId="41f16a147d83f7ed" providerId="LiveId" clId="{CFD330EB-6800-4699-99D4-5377FB3FC339}"/>
     <pc:docChg chg="custSel addSld modSld sldOrd">
-      <pc:chgData name="Lasse Lundholm" userId="41f16a147d83f7ed" providerId="LiveId" clId="{CFD330EB-6800-4699-99D4-5377FB3FC339}" dt="2019-11-19T14:38:53.499" v="625" actId="14100"/>
+      <pc:chgData name="Lasse Lundholm" userId="41f16a147d83f7ed" providerId="LiveId" clId="{CFD330EB-6800-4699-99D4-5377FB3FC339}" dt="2019-11-21T09:09:14.033" v="627" actId="478"/>
       <pc:docMkLst>
         <pc:docMk/>
       </pc:docMkLst>
+      <pc:sldChg chg="delSp modSp">
+        <pc:chgData name="Lasse Lundholm" userId="41f16a147d83f7ed" providerId="LiveId" clId="{CFD330EB-6800-4699-99D4-5377FB3FC339}" dt="2019-11-21T09:09:14.033" v="627" actId="478"/>
+        <pc:sldMkLst>
+          <pc:docMk/>
+          <pc:sldMk cId="1143941197" sldId="257"/>
+        </pc:sldMkLst>
+        <pc:spChg chg="del mod">
+          <ac:chgData name="Lasse Lundholm" userId="41f16a147d83f7ed" providerId="LiveId" clId="{CFD330EB-6800-4699-99D4-5377FB3FC339}" dt="2019-11-21T09:09:14.033" v="627" actId="478"/>
+          <ac:spMkLst>
+            <pc:docMk/>
+            <pc:sldMk cId="1143941197" sldId="257"/>
+            <ac:spMk id="3" creationId="{4E3D4F5C-0625-4E2D-8222-D1D4E46279EF}"/>
+          </ac:spMkLst>
+        </pc:spChg>
+      </pc:sldChg>
       <pc:sldChg chg="addSp delSp modSp">
         <pc:chgData name="Lasse Lundholm" userId="41f16a147d83f7ed" providerId="LiveId" clId="{CFD330EB-6800-4699-99D4-5377FB3FC339}" dt="2019-11-19T14:30:58.349" v="580" actId="20577"/>
         <pc:sldMkLst>
@@ -821,7 +841,7 @@
           <a:p>
             <a:fld id="{672B6480-296D-4A70-978A-809277D71144}" type="datetimeFigureOut">
               <a:rPr lang="da-DK" smtClean="0"/>
-              <a:t>19-11-2019</a:t>
+              <a:t>21-11-2019</a:t>
             </a:fld>
             <a:endParaRPr lang="da-DK"/>
           </a:p>
@@ -1019,7 +1039,7 @@
           <a:p>
             <a:fld id="{672B6480-296D-4A70-978A-809277D71144}" type="datetimeFigureOut">
               <a:rPr lang="da-DK" smtClean="0"/>
-              <a:t>19-11-2019</a:t>
+              <a:t>21-11-2019</a:t>
             </a:fld>
             <a:endParaRPr lang="da-DK"/>
           </a:p>
@@ -1227,7 +1247,7 @@
           <a:p>
             <a:fld id="{672B6480-296D-4A70-978A-809277D71144}" type="datetimeFigureOut">
               <a:rPr lang="da-DK" smtClean="0"/>
-              <a:t>19-11-2019</a:t>
+              <a:t>21-11-2019</a:t>
             </a:fld>
             <a:endParaRPr lang="da-DK"/>
           </a:p>
@@ -1425,7 +1445,7 @@
           <a:p>
             <a:fld id="{672B6480-296D-4A70-978A-809277D71144}" type="datetimeFigureOut">
               <a:rPr lang="da-DK" smtClean="0"/>
-              <a:t>19-11-2019</a:t>
+              <a:t>21-11-2019</a:t>
             </a:fld>
             <a:endParaRPr lang="da-DK"/>
           </a:p>
@@ -1700,7 +1720,7 @@
           <a:p>
             <a:fld id="{672B6480-296D-4A70-978A-809277D71144}" type="datetimeFigureOut">
               <a:rPr lang="da-DK" smtClean="0"/>
-              <a:t>19-11-2019</a:t>
+              <a:t>21-11-2019</a:t>
             </a:fld>
             <a:endParaRPr lang="da-DK"/>
           </a:p>
@@ -1965,7 +1985,7 @@
           <a:p>
             <a:fld id="{672B6480-296D-4A70-978A-809277D71144}" type="datetimeFigureOut">
               <a:rPr lang="da-DK" smtClean="0"/>
-              <a:t>19-11-2019</a:t>
+              <a:t>21-11-2019</a:t>
             </a:fld>
             <a:endParaRPr lang="da-DK"/>
           </a:p>
@@ -2377,7 +2397,7 @@
           <a:p>
             <a:fld id="{672B6480-296D-4A70-978A-809277D71144}" type="datetimeFigureOut">
               <a:rPr lang="da-DK" smtClean="0"/>
-              <a:t>19-11-2019</a:t>
+              <a:t>21-11-2019</a:t>
             </a:fld>
             <a:endParaRPr lang="da-DK"/>
           </a:p>
@@ -2518,7 +2538,7 @@
           <a:p>
             <a:fld id="{672B6480-296D-4A70-978A-809277D71144}" type="datetimeFigureOut">
               <a:rPr lang="da-DK" smtClean="0"/>
-              <a:t>19-11-2019</a:t>
+              <a:t>21-11-2019</a:t>
             </a:fld>
             <a:endParaRPr lang="da-DK"/>
           </a:p>
@@ -2631,7 +2651,7 @@
           <a:p>
             <a:fld id="{672B6480-296D-4A70-978A-809277D71144}" type="datetimeFigureOut">
               <a:rPr lang="da-DK" smtClean="0"/>
-              <a:t>19-11-2019</a:t>
+              <a:t>21-11-2019</a:t>
             </a:fld>
             <a:endParaRPr lang="da-DK"/>
           </a:p>
@@ -2942,7 +2962,7 @@
           <a:p>
             <a:fld id="{672B6480-296D-4A70-978A-809277D71144}" type="datetimeFigureOut">
               <a:rPr lang="da-DK" smtClean="0"/>
-              <a:t>19-11-2019</a:t>
+              <a:t>21-11-2019</a:t>
             </a:fld>
             <a:endParaRPr lang="da-DK"/>
           </a:p>
@@ -3230,7 +3250,7 @@
           <a:p>
             <a:fld id="{672B6480-296D-4A70-978A-809277D71144}" type="datetimeFigureOut">
               <a:rPr lang="da-DK" smtClean="0"/>
-              <a:t>19-11-2019</a:t>
+              <a:t>21-11-2019</a:t>
             </a:fld>
             <a:endParaRPr lang="da-DK"/>
           </a:p>
@@ -3471,7 +3491,7 @@
           <a:p>
             <a:fld id="{672B6480-296D-4A70-978A-809277D71144}" type="datetimeFigureOut">
               <a:rPr lang="da-DK" smtClean="0"/>
-              <a:t>19-11-2019</a:t>
+              <a:t>21-11-2019</a:t>
             </a:fld>
             <a:endParaRPr lang="da-DK"/>
           </a:p>
@@ -4009,46 +4029,6 @@
             <a:r>
               <a:rPr lang="da-DK" dirty="0" err="1"/>
               <a:t>Concept</a:t>
-            </a:r>
-            <a:endParaRPr lang="da-DK" dirty="0"/>
-          </a:p>
-        </p:txBody>
-      </p:sp>
-      <p:sp>
-        <p:nvSpPr>
-          <p:cNvPr id="3" name="Tekstfelt 2">
-            <a:extLst>
-              <a:ext uri="{FF2B5EF4-FFF2-40B4-BE49-F238E27FC236}">
-                <a16:creationId xmlns:a16="http://schemas.microsoft.com/office/drawing/2014/main" id="{4E3D4F5C-0625-4E2D-8222-D1D4E46279EF}"/>
-              </a:ext>
-            </a:extLst>
-          </p:cNvPr>
-          <p:cNvSpPr txBox="1"/>
-          <p:nvPr/>
-        </p:nvSpPr>
-        <p:spPr>
-          <a:xfrm>
-            <a:off x="5308845" y="2530136"/>
-            <a:ext cx="1953088" cy="369332"/>
-          </a:xfrm>
-          <a:prstGeom prst="rect">
-            <a:avLst/>
-          </a:prstGeom>
-          <a:noFill/>
-        </p:spPr>
-        <p:txBody>
-          <a:bodyPr wrap="square" rtlCol="0">
-            <a:spAutoFit/>
-          </a:bodyPr>
-          <a:lstStyle/>
-          <a:p>
-            <a:r>
-              <a:rPr lang="da-DK" dirty="0"/>
-              <a:t>Make </a:t>
-            </a:r>
-            <a:r>
-              <a:rPr lang="da-DK" dirty="0" err="1"/>
-              <a:t>drawing</a:t>
             </a:r>
             <a:endParaRPr lang="da-DK" dirty="0"/>
           </a:p>
